--- a/input/images-source/LabExampleE7BusinessPart2.pptx
+++ b/input/images-source/LabExampleE7BusinessPart2.pptx
@@ -259,7 +259,7 @@
           <a:p>
             <a:fld id="{2B2DBF42-8104-4FB3-A5C2-139803963681}" type="datetimeFigureOut">
               <a:rPr lang="fr-FR" smtClean="0"/>
-              <a:t>24/06/2020</a:t>
+              <a:t>27/06/2020</a:t>
             </a:fld>
             <a:endParaRPr lang="fr-FR"/>
           </a:p>
@@ -457,7 +457,7 @@
           <a:p>
             <a:fld id="{2B2DBF42-8104-4FB3-A5C2-139803963681}" type="datetimeFigureOut">
               <a:rPr lang="fr-FR" smtClean="0"/>
-              <a:t>24/06/2020</a:t>
+              <a:t>27/06/2020</a:t>
             </a:fld>
             <a:endParaRPr lang="fr-FR"/>
           </a:p>
@@ -665,7 +665,7 @@
           <a:p>
             <a:fld id="{2B2DBF42-8104-4FB3-A5C2-139803963681}" type="datetimeFigureOut">
               <a:rPr lang="fr-FR" smtClean="0"/>
-              <a:t>24/06/2020</a:t>
+              <a:t>27/06/2020</a:t>
             </a:fld>
             <a:endParaRPr lang="fr-FR"/>
           </a:p>
@@ -863,7 +863,7 @@
           <a:p>
             <a:fld id="{2B2DBF42-8104-4FB3-A5C2-139803963681}" type="datetimeFigureOut">
               <a:rPr lang="fr-FR" smtClean="0"/>
-              <a:t>24/06/2020</a:t>
+              <a:t>27/06/2020</a:t>
             </a:fld>
             <a:endParaRPr lang="fr-FR"/>
           </a:p>
@@ -1138,7 +1138,7 @@
           <a:p>
             <a:fld id="{2B2DBF42-8104-4FB3-A5C2-139803963681}" type="datetimeFigureOut">
               <a:rPr lang="fr-FR" smtClean="0"/>
-              <a:t>24/06/2020</a:t>
+              <a:t>27/06/2020</a:t>
             </a:fld>
             <a:endParaRPr lang="fr-FR"/>
           </a:p>
@@ -1403,7 +1403,7 @@
           <a:p>
             <a:fld id="{2B2DBF42-8104-4FB3-A5C2-139803963681}" type="datetimeFigureOut">
               <a:rPr lang="fr-FR" smtClean="0"/>
-              <a:t>24/06/2020</a:t>
+              <a:t>27/06/2020</a:t>
             </a:fld>
             <a:endParaRPr lang="fr-FR"/>
           </a:p>
@@ -1815,7 +1815,7 @@
           <a:p>
             <a:fld id="{2B2DBF42-8104-4FB3-A5C2-139803963681}" type="datetimeFigureOut">
               <a:rPr lang="fr-FR" smtClean="0"/>
-              <a:t>24/06/2020</a:t>
+              <a:t>27/06/2020</a:t>
             </a:fld>
             <a:endParaRPr lang="fr-FR"/>
           </a:p>
@@ -1956,7 +1956,7 @@
           <a:p>
             <a:fld id="{2B2DBF42-8104-4FB3-A5C2-139803963681}" type="datetimeFigureOut">
               <a:rPr lang="fr-FR" smtClean="0"/>
-              <a:t>24/06/2020</a:t>
+              <a:t>27/06/2020</a:t>
             </a:fld>
             <a:endParaRPr lang="fr-FR"/>
           </a:p>
@@ -2069,7 +2069,7 @@
           <a:p>
             <a:fld id="{2B2DBF42-8104-4FB3-A5C2-139803963681}" type="datetimeFigureOut">
               <a:rPr lang="fr-FR" smtClean="0"/>
-              <a:t>24/06/2020</a:t>
+              <a:t>27/06/2020</a:t>
             </a:fld>
             <a:endParaRPr lang="fr-FR"/>
           </a:p>
@@ -2380,7 +2380,7 @@
           <a:p>
             <a:fld id="{2B2DBF42-8104-4FB3-A5C2-139803963681}" type="datetimeFigureOut">
               <a:rPr lang="fr-FR" smtClean="0"/>
-              <a:t>24/06/2020</a:t>
+              <a:t>27/06/2020</a:t>
             </a:fld>
             <a:endParaRPr lang="fr-FR"/>
           </a:p>
@@ -2668,7 +2668,7 @@
           <a:p>
             <a:fld id="{2B2DBF42-8104-4FB3-A5C2-139803963681}" type="datetimeFigureOut">
               <a:rPr lang="fr-FR" smtClean="0"/>
-              <a:t>24/06/2020</a:t>
+              <a:t>27/06/2020</a:t>
             </a:fld>
             <a:endParaRPr lang="fr-FR"/>
           </a:p>
@@ -2909,7 +2909,7 @@
           <a:p>
             <a:fld id="{2B2DBF42-8104-4FB3-A5C2-139803963681}" type="datetimeFigureOut">
               <a:rPr lang="fr-FR" smtClean="0"/>
-              <a:t>24/06/2020</a:t>
+              <a:t>27/06/2020</a:t>
             </a:fld>
             <a:endParaRPr lang="fr-FR"/>
           </a:p>
@@ -3912,8 +3912,8 @@
         </p:nvSpPr>
         <p:spPr>
           <a:xfrm>
-            <a:off x="139411" y="46977"/>
-            <a:ext cx="11833514" cy="519353"/>
+            <a:off x="139410" y="46977"/>
+            <a:ext cx="12052589" cy="519353"/>
           </a:xfrm>
           <a:prstGeom prst="rect">
             <a:avLst/>
@@ -3949,7 +3949,7 @@
             <a:pPr algn="l"/>
             <a:r>
               <a:rPr lang="en-US" sz="3200" dirty="0"/>
-              <a:t>Example E7 – Part 2: ‘Torch’ super panel  including tests and sub-panels</a:t>
+              <a:t>Example E7 – Part 2: TORCH super panel  including tests and sub-panels</a:t>
             </a:r>
           </a:p>
         </p:txBody>
